--- a/SVG/In-case.pptx
+++ b/SVG/In-case.pptx
@@ -109,6 +109,11 @@
       </a:defRPr>
     </a:lvl9pPr>
   </p:defaultTextStyle>
+  <p:extLst>
+    <p:ext uri="{EFAFB233-063F-42B5-8137-9DF3F51BA10A}">
+      <p15:sldGuideLst xmlns:p15="http://schemas.microsoft.com/office/powerpoint/2012/main"/>
+    </p:ext>
+  </p:extLst>
 </p:presentation>
 </file>
 
@@ -4069,6 +4074,13 @@
               <a:rPr lang="nl-BE" dirty="0"/>
               <a:t>Hartslag</a:t>
             </a:r>
+          </a:p>
+          <a:p>
+            <a:pPr lvl="1"/>
+            <a:r>
+              <a:rPr lang="nl-BE" dirty="0"/>
+              <a:t>QR-Code</a:t>
+            </a:r>
             <a:endParaRPr lang="en-GB" dirty="0"/>
           </a:p>
         </p:txBody>
@@ -4220,6 +4232,14 @@
 <file path=ppt/slides/slide5.xml><?xml version="1.0" encoding="utf-8"?>
 <p:sld xmlns:a="http://schemas.openxmlformats.org/drawingml/2006/main" xmlns:r="http://schemas.openxmlformats.org/officeDocument/2006/relationships" xmlns:p="http://schemas.openxmlformats.org/presentationml/2006/main">
   <p:cSld>
+    <p:bg>
+      <p:bgPr>
+        <a:solidFill>
+          <a:schemeClr val="bg2"/>
+        </a:solidFill>
+        <a:effectLst/>
+      </p:bgPr>
+    </p:bg>
     <p:spTree>
       <p:nvGrpSpPr>
         <p:cNvPr id="1" name=""/>
@@ -4250,9 +4270,16 @@
             <p:ph type="title"/>
           </p:nvPr>
         </p:nvSpPr>
-        <p:spPr/>
-        <p:txBody>
-          <a:bodyPr/>
+        <p:spPr>
+          <a:xfrm>
+            <a:off x="7860667" y="685800"/>
+            <a:ext cx="3656419" cy="1485900"/>
+          </a:xfrm>
+        </p:spPr>
+        <p:txBody>
+          <a:bodyPr>
+            <a:normAutofit/>
+          </a:bodyPr>
           <a:lstStyle/>
           <a:p>
             <a:r>
@@ -4263,6 +4290,92 @@
           </a:p>
         </p:txBody>
       </p:sp>
+      <p:sp>
+        <p:nvSpPr>
+          <p:cNvPr id="9" name="Rectangle 8">
+            <a:extLst>
+              <a:ext uri="{FF2B5EF4-FFF2-40B4-BE49-F238E27FC236}">
+                <a16:creationId xmlns:a16="http://schemas.microsoft.com/office/drawing/2014/main" id="{BEC9E7FA-3295-45ED-8253-D23F9E44E1DA}"/>
+              </a:ext>
+              <a:ext uri="{C183D7F6-B498-43B3-948B-1728B52AA6E4}">
+                <adec:decorative xmlns:adec="http://schemas.microsoft.com/office/drawing/2017/decorative" val="1"/>
+              </a:ext>
+            </a:extLst>
+          </p:cNvPr>
+          <p:cNvSpPr>
+            <a:spLocks noGrp="1" noRot="1" noChangeAspect="1" noMove="1" noResize="1" noEditPoints="1" noAdjustHandles="1" noChangeArrowheads="1" noChangeShapeType="1" noTextEdit="1"/>
+          </p:cNvSpPr>
+          <p:nvPr>
+            <p:extLst>
+              <p:ext uri="{386F3935-93C4-4BCD-93E2-E3B085C9AB24}">
+                <p16:designElem xmlns:p16="http://schemas.microsoft.com/office/powerpoint/2015/main" val="1"/>
+              </p:ext>
+            </p:extLst>
+          </p:nvPr>
+        </p:nvSpPr>
+        <p:spPr>
+          <a:xfrm>
+            <a:off x="478095" y="376"/>
+            <a:ext cx="228600" cy="6858000"/>
+          </a:xfrm>
+          <a:prstGeom prst="rect">
+            <a:avLst/>
+          </a:prstGeom>
+          <a:solidFill>
+            <a:schemeClr val="tx2"/>
+          </a:solidFill>
+          <a:ln>
+            <a:noFill/>
+          </a:ln>
+        </p:spPr>
+        <p:style>
+          <a:lnRef idx="2">
+            <a:schemeClr val="accent1">
+              <a:shade val="50000"/>
+            </a:schemeClr>
+          </a:lnRef>
+          <a:fillRef idx="1">
+            <a:schemeClr val="accent1"/>
+          </a:fillRef>
+          <a:effectRef idx="0">
+            <a:schemeClr val="accent1"/>
+          </a:effectRef>
+          <a:fontRef idx="minor">
+            <a:schemeClr val="lt1"/>
+          </a:fontRef>
+        </p:style>
+      </p:sp>
+      <p:pic>
+        <p:nvPicPr>
+          <p:cNvPr id="4" name="Picture 3">
+            <a:hlinkClick r:id="rId2"/>
+            <a:extLst>
+              <a:ext uri="{FF2B5EF4-FFF2-40B4-BE49-F238E27FC236}">
+                <a16:creationId xmlns:a16="http://schemas.microsoft.com/office/drawing/2014/main" id="{D66D8927-64F6-4D4B-8279-0BC879E98E1A}"/>
+              </a:ext>
+            </a:extLst>
+          </p:cNvPr>
+          <p:cNvPicPr>
+            <a:picLocks noChangeAspect="1"/>
+          </p:cNvPicPr>
+          <p:nvPr/>
+        </p:nvPicPr>
+        <p:blipFill>
+          <a:blip r:embed="rId3"/>
+          <a:stretch>
+            <a:fillRect/>
+          </a:stretch>
+        </p:blipFill>
+        <p:spPr>
+          <a:xfrm>
+            <a:off x="706695" y="685800"/>
+            <a:ext cx="7153972" cy="4542772"/>
+          </a:xfrm>
+          <a:prstGeom prst="rect">
+            <a:avLst/>
+          </a:prstGeom>
+        </p:spPr>
+      </p:pic>
       <p:sp>
         <p:nvSpPr>
           <p:cNvPr id="3" name="Content Placeholder 2">
@@ -4279,9 +4392,16 @@
             <p:ph idx="1"/>
           </p:nvPr>
         </p:nvSpPr>
-        <p:spPr/>
-        <p:txBody>
-          <a:bodyPr/>
+        <p:spPr>
+          <a:xfrm>
+            <a:off x="7860667" y="1428750"/>
+            <a:ext cx="3656419" cy="3581400"/>
+          </a:xfrm>
+        </p:spPr>
+        <p:txBody>
+          <a:bodyPr>
+            <a:normAutofit/>
+          </a:bodyPr>
           <a:lstStyle/>
           <a:p>
             <a:r>
@@ -4320,9 +4440,12 @@
           <a:p>
             <a:pPr lvl="1"/>
             <a:r>
-              <a:rPr lang="nl-BE"/>
+              <a:rPr lang="nl-BE" dirty="0"/>
               <a:t>Sprint backlog</a:t>
             </a:r>
+          </a:p>
+          <a:p>
+            <a:pPr lvl="1"/>
             <a:endParaRPr lang="en-GB" dirty="0"/>
           </a:p>
         </p:txBody>
